--- a/unit-1-sem-3/calendar.pptx
+++ b/unit-1-sem-3/calendar.pptx
@@ -3322,7 +3322,7 @@
           </a:ln>
           <a:extLst>
             <a:ext uri="{C572A759-6A51-4108-AA02-DFA0A04FC94B}">
-              <ma14:wrappingTextBoxFlag xmlns="" xmlns:m="http://schemas.openxmlformats.org/officeDocument/2006/math" xmlns:a14="http://schemas.microsoft.com/office/drawing/2010/main" xmlns:ma14="http://schemas.microsoft.com/office/mac/drawingml/2011/main" val="1"/>
+              <ma14:wrappingTextBoxFlag xmlns:ma14="http://schemas.microsoft.com/office/mac/drawingml/2011/main" xmlns:a14="http://schemas.microsoft.com/office/drawing/2010/main" xmlns:m="http://schemas.openxmlformats.org/officeDocument/2006/math" xmlns="" val="1"/>
             </a:ext>
           </a:extLst>
         </p:spPr>
@@ -3359,7 +3359,7 @@
           </a:ln>
           <a:extLst>
             <a:ext uri="{C572A759-6A51-4108-AA02-DFA0A04FC94B}">
-              <ma14:wrappingTextBoxFlag xmlns="" xmlns:m="http://schemas.openxmlformats.org/officeDocument/2006/math" xmlns:a14="http://schemas.microsoft.com/office/drawing/2010/main" xmlns:ma14="http://schemas.microsoft.com/office/mac/drawingml/2011/main" val="1"/>
+              <ma14:wrappingTextBoxFlag xmlns:ma14="http://schemas.microsoft.com/office/mac/drawingml/2011/main" xmlns:a14="http://schemas.microsoft.com/office/drawing/2010/main" xmlns:m="http://schemas.openxmlformats.org/officeDocument/2006/math" xmlns="" val="1"/>
             </a:ext>
           </a:extLst>
         </p:spPr>
@@ -4669,6 +4669,87 @@
           </a:prstGeom>
         </p:spPr>
       </p:pic>
+      <p:sp>
+        <p:nvSpPr>
+          <p:cNvPr id="2" name="Rectangle 1">
+            <a:extLst>
+              <a:ext uri="{FF2B5EF4-FFF2-40B4-BE49-F238E27FC236}">
+                <a16:creationId xmlns:a16="http://schemas.microsoft.com/office/drawing/2014/main" id="{F4471745-3A06-BAE1-DD83-801A2931B5CD}"/>
+              </a:ext>
+            </a:extLst>
+          </p:cNvPr>
+          <p:cNvSpPr/>
+          <p:nvPr/>
+        </p:nvSpPr>
+        <p:spPr>
+          <a:xfrm>
+            <a:off x="21871148" y="2922494"/>
+            <a:ext cx="2261840" cy="376518"/>
+          </a:xfrm>
+          <a:prstGeom prst="rect">
+            <a:avLst/>
+          </a:prstGeom>
+          <a:solidFill>
+            <a:schemeClr val="bg1"/>
+          </a:solidFill>
+          <a:ln w="3175" cap="flat">
+            <a:noFill/>
+            <a:miter lim="400000"/>
+          </a:ln>
+          <a:effectLst/>
+          <a:sp3d/>
+        </p:spPr>
+        <p:style>
+          <a:lnRef idx="0">
+            <a:scrgbClr r="0" g="0" b="0"/>
+          </a:lnRef>
+          <a:fillRef idx="0">
+            <a:scrgbClr r="0" g="0" b="0"/>
+          </a:fillRef>
+          <a:effectRef idx="0">
+            <a:scrgbClr r="0" g="0" b="0"/>
+          </a:effectRef>
+          <a:fontRef idx="none"/>
+        </p:style>
+        <p:txBody>
+          <a:bodyPr rot="0" spcFirstLastPara="1" vertOverflow="overflow" horzOverflow="overflow" vert="horz" wrap="square" lIns="16073" tIns="16073" rIns="16073" bIns="16073" numCol="1" spcCol="38100" rtlCol="0" anchor="ctr">
+            <a:spAutoFit/>
+          </a:bodyPr>
+          <a:lstStyle/>
+          <a:p>
+            <a:pPr marL="0" marR="0" indent="0" algn="ctr" defTabSz="825500" rtl="0" fontAlgn="auto" latinLnBrk="0" hangingPunct="0">
+              <a:lnSpc>
+                <a:spcPct val="100000"/>
+              </a:lnSpc>
+              <a:spcBef>
+                <a:spcPts val="0"/>
+              </a:spcBef>
+              <a:spcAft>
+                <a:spcPts val="0"/>
+              </a:spcAft>
+              <a:buClrTx/>
+              <a:buSzTx/>
+              <a:buFontTx/>
+              <a:buNone/>
+              <a:tabLst/>
+            </a:pPr>
+            <a:endParaRPr kumimoji="0" lang="en-IE" sz="3000" b="0" i="0" u="none" strike="noStrike" cap="none" spc="0" normalizeH="0" baseline="0">
+              <a:ln>
+                <a:noFill/>
+              </a:ln>
+              <a:solidFill>
+                <a:srgbClr val="FFFFFF"/>
+              </a:solidFill>
+              <a:effectLst/>
+              <a:uFillTx/>
+              <a:latin typeface="Helvetica Neue Medium"/>
+              <a:ea typeface="Helvetica Neue Medium"/>
+              <a:cs typeface="Helvetica Neue Medium"/>
+              <a:sym typeface="Helvetica Neue Medium"/>
+            </a:endParaRPr>
+          </a:p>
+        </p:txBody>
+      </p:sp>
     </p:spTree>
     <p:extLst>
       <p:ext uri="{BB962C8B-B14F-4D97-AF65-F5344CB8AC3E}">
